--- a/documentos finalizados/SLIDE/Apresentação PFC.pptx
+++ b/documentos finalizados/SLIDE/Apresentação PFC.pptx
@@ -740,7 +740,7 @@
             <a:fld id="{5B3D3F72-C0E4-4326-9298-E0A3E59A8AEB}" type="datetimeFigureOut">
               <a:rPr lang="pt-BR" smtClean="0"/>
               <a:pPr/>
-              <a:t>25/11/2016</a:t>
+              <a:t>26/11/2016</a:t>
             </a:fld>
             <a:endParaRPr lang="pt-BR"/>
           </a:p>
@@ -938,7 +938,7 @@
             <a:fld id="{5B3D3F72-C0E4-4326-9298-E0A3E59A8AEB}" type="datetimeFigureOut">
               <a:rPr lang="pt-BR" smtClean="0"/>
               <a:pPr/>
-              <a:t>25/11/2016</a:t>
+              <a:t>26/11/2016</a:t>
             </a:fld>
             <a:endParaRPr lang="pt-BR"/>
           </a:p>
@@ -1125,7 +1125,7 @@
             <a:fld id="{5B3D3F72-C0E4-4326-9298-E0A3E59A8AEB}" type="datetimeFigureOut">
               <a:rPr lang="pt-BR" smtClean="0"/>
               <a:pPr/>
-              <a:t>25/11/2016</a:t>
+              <a:t>26/11/2016</a:t>
             </a:fld>
             <a:endParaRPr lang="pt-BR"/>
           </a:p>
@@ -1277,7 +1277,7 @@
             <a:fld id="{5B3D3F72-C0E4-4326-9298-E0A3E59A8AEB}" type="datetimeFigureOut">
               <a:rPr lang="pt-BR" smtClean="0"/>
               <a:pPr/>
-              <a:t>25/11/2016</a:t>
+              <a:t>26/11/2016</a:t>
             </a:fld>
             <a:endParaRPr lang="pt-BR"/>
           </a:p>
@@ -1534,7 +1534,7 @@
             <a:fld id="{5B3D3F72-C0E4-4326-9298-E0A3E59A8AEB}" type="datetimeFigureOut">
               <a:rPr lang="pt-BR" smtClean="0"/>
               <a:pPr/>
-              <a:t>25/11/2016</a:t>
+              <a:t>26/11/2016</a:t>
             </a:fld>
             <a:endParaRPr lang="pt-BR"/>
           </a:p>
@@ -1945,7 +1945,7 @@
             <a:fld id="{5B3D3F72-C0E4-4326-9298-E0A3E59A8AEB}" type="datetimeFigureOut">
               <a:rPr lang="pt-BR" smtClean="0"/>
               <a:pPr/>
-              <a:t>25/11/2016</a:t>
+              <a:t>26/11/2016</a:t>
             </a:fld>
             <a:endParaRPr lang="pt-BR"/>
           </a:p>
@@ -2393,7 +2393,7 @@
             <a:fld id="{5B3D3F72-C0E4-4326-9298-E0A3E59A8AEB}" type="datetimeFigureOut">
               <a:rPr lang="pt-BR" smtClean="0"/>
               <a:pPr/>
-              <a:t>25/11/2016</a:t>
+              <a:t>26/11/2016</a:t>
             </a:fld>
             <a:endParaRPr lang="pt-BR"/>
           </a:p>
@@ -2496,7 +2496,7 @@
             <a:fld id="{5B3D3F72-C0E4-4326-9298-E0A3E59A8AEB}" type="datetimeFigureOut">
               <a:rPr lang="pt-BR" smtClean="0"/>
               <a:pPr/>
-              <a:t>25/11/2016</a:t>
+              <a:t>26/11/2016</a:t>
             </a:fld>
             <a:endParaRPr lang="pt-BR"/>
           </a:p>
@@ -2619,7 +2619,7 @@
             <a:fld id="{5B3D3F72-C0E4-4326-9298-E0A3E59A8AEB}" type="datetimeFigureOut">
               <a:rPr lang="pt-BR" smtClean="0"/>
               <a:pPr/>
-              <a:t>25/11/2016</a:t>
+              <a:t>26/11/2016</a:t>
             </a:fld>
             <a:endParaRPr lang="pt-BR"/>
           </a:p>
@@ -2895,7 +2895,7 @@
             <a:fld id="{5B3D3F72-C0E4-4326-9298-E0A3E59A8AEB}" type="datetimeFigureOut">
               <a:rPr lang="pt-BR" smtClean="0"/>
               <a:pPr/>
-              <a:t>25/11/2016</a:t>
+              <a:t>26/11/2016</a:t>
             </a:fld>
             <a:endParaRPr lang="pt-BR"/>
           </a:p>
@@ -3102,7 +3102,7 @@
             <a:fld id="{5B3D3F72-C0E4-4326-9298-E0A3E59A8AEB}" type="datetimeFigureOut">
               <a:rPr lang="pt-BR" smtClean="0"/>
               <a:pPr/>
-              <a:t>25/11/2016</a:t>
+              <a:t>26/11/2016</a:t>
             </a:fld>
             <a:endParaRPr lang="pt-BR"/>
           </a:p>
@@ -4213,7 +4213,7 @@
             <a:fld id="{5B3D3F72-C0E4-4326-9298-E0A3E59A8AEB}" type="datetimeFigureOut">
               <a:rPr lang="pt-BR" smtClean="0"/>
               <a:pPr/>
-              <a:t>25/11/2016</a:t>
+              <a:t>26/11/2016</a:t>
             </a:fld>
             <a:endParaRPr lang="pt-BR"/>
           </a:p>
@@ -6892,7 +6892,12 @@
             <p:ph type="title"/>
           </p:nvPr>
         </p:nvSpPr>
-        <p:spPr/>
+        <p:spPr>
+          <a:xfrm>
+            <a:off x="467544" y="0"/>
+            <a:ext cx="8229600" cy="1143000"/>
+          </a:xfrm>
+        </p:spPr>
         <p:txBody>
           <a:bodyPr/>
           <a:lstStyle/>
@@ -6946,7 +6951,7 @@
         </p:blipFill>
         <p:spPr>
           <a:xfrm>
-            <a:off x="3563888" y="1196752"/>
+            <a:off x="3635896" y="980728"/>
             <a:ext cx="2124075" cy="1933575"/>
           </a:xfrm>
           <a:prstGeom prst="rect">
@@ -6970,7 +6975,7 @@
         </p:blipFill>
         <p:spPr>
           <a:xfrm>
-            <a:off x="971600" y="2852936"/>
+            <a:off x="683568" y="2924944"/>
             <a:ext cx="2124075" cy="1933575"/>
           </a:xfrm>
           <a:prstGeom prst="rect">
@@ -7010,8 +7015,8 @@
         </p:nvSpPr>
         <p:spPr>
           <a:xfrm rot="19922688">
-            <a:off x="5838814" y="3957028"/>
-            <a:ext cx="1417819" cy="348282"/>
+            <a:off x="5864969" y="4062104"/>
+            <a:ext cx="1417819" cy="236696"/>
           </a:xfrm>
           <a:prstGeom prst="rightArrow">
             <a:avLst/>
@@ -7050,12 +7055,15 @@
         </p:nvSpPr>
         <p:spPr>
           <a:xfrm rot="12166949">
-            <a:off x="5513311" y="2588600"/>
-            <a:ext cx="1296144" cy="288032"/>
+            <a:off x="5532180" y="2592401"/>
+            <a:ext cx="1296144" cy="190575"/>
           </a:xfrm>
           <a:prstGeom prst="rightArrow">
             <a:avLst/>
           </a:prstGeom>
+          <a:solidFill>
+            <a:srgbClr val="92D050"/>
+          </a:solidFill>
         </p:spPr>
         <p:style>
           <a:lnRef idx="2">
@@ -7091,7 +7099,7 @@
         <p:spPr>
           <a:xfrm>
             <a:off x="4644008" y="2996952"/>
-            <a:ext cx="360040" cy="1008112"/>
+            <a:ext cx="216024" cy="1152128"/>
           </a:xfrm>
           <a:prstGeom prst="downArrow">
             <a:avLst/>
@@ -7130,7 +7138,50 @@
         </p:nvSpPr>
         <p:spPr>
           <a:xfrm rot="8687010">
-            <a:off x="2275168" y="2774510"/>
+            <a:off x="2563200" y="3045551"/>
+            <a:ext cx="1219227" cy="162964"/>
+          </a:xfrm>
+          <a:prstGeom prst="rightArrow">
+            <a:avLst/>
+          </a:prstGeom>
+          <a:solidFill>
+            <a:srgbClr val="92D050"/>
+          </a:solidFill>
+        </p:spPr>
+        <p:style>
+          <a:lnRef idx="2">
+            <a:schemeClr val="accent1">
+              <a:shade val="50000"/>
+            </a:schemeClr>
+          </a:lnRef>
+          <a:fillRef idx="1">
+            <a:schemeClr val="accent1"/>
+          </a:fillRef>
+          <a:effectRef idx="0">
+            <a:schemeClr val="accent1"/>
+          </a:effectRef>
+          <a:fontRef idx="minor">
+            <a:schemeClr val="lt1"/>
+          </a:fontRef>
+        </p:style>
+        <p:txBody>
+          <a:bodyPr rtlCol="0" anchor="ctr"/>
+          <a:lstStyle/>
+          <a:p>
+            <a:pPr algn="ctr"/>
+            <a:endParaRPr lang="pt-BR"/>
+          </a:p>
+        </p:txBody>
+      </p:sp>
+      <p:sp>
+        <p:nvSpPr>
+          <p:cNvPr id="14" name="Seta para a direita 13"/>
+          <p:cNvSpPr/>
+          <p:nvPr/>
+        </p:nvSpPr>
+        <p:spPr>
+          <a:xfrm rot="19509800">
+            <a:off x="2781101" y="3186568"/>
             <a:ext cx="1219227" cy="162964"/>
           </a:xfrm>
           <a:prstGeom prst="rightArrow">
@@ -7164,14 +7215,219 @@
       </p:sp>
       <p:sp>
         <p:nvSpPr>
-          <p:cNvPr id="14" name="Seta para a direita 13"/>
+          <p:cNvPr id="16" name="CaixaDeTexto 15"/>
+          <p:cNvSpPr txBox="1"/>
+          <p:nvPr/>
+        </p:nvSpPr>
+        <p:spPr>
+          <a:xfrm rot="1425736">
+            <a:off x="5740545" y="2392844"/>
+            <a:ext cx="1368152" cy="369332"/>
+          </a:xfrm>
+          <a:prstGeom prst="rect">
+            <a:avLst/>
+          </a:prstGeom>
+          <a:noFill/>
+        </p:spPr>
+        <p:txBody>
+          <a:bodyPr wrap="square" rtlCol="0">
+            <a:spAutoFit/>
+          </a:bodyPr>
+          <a:lstStyle/>
+          <a:p>
+            <a:r>
+              <a:rPr lang="pt-BR" dirty="0" err="1" smtClean="0">
+                <a:solidFill>
+                  <a:schemeClr val="bg2">
+                    <a:lumMod val="10000"/>
+                  </a:schemeClr>
+                </a:solidFill>
+                <a:latin typeface="Arial" pitchFamily="34" charset="0"/>
+                <a:cs typeface="Arial" pitchFamily="34" charset="0"/>
+              </a:rPr>
+              <a:t>Request</a:t>
+            </a:r>
+            <a:endParaRPr lang="pt-BR" dirty="0">
+              <a:solidFill>
+                <a:schemeClr val="bg2">
+                  <a:lumMod val="10000"/>
+                </a:schemeClr>
+              </a:solidFill>
+              <a:latin typeface="Arial" pitchFamily="34" charset="0"/>
+              <a:cs typeface="Arial" pitchFamily="34" charset="0"/>
+            </a:endParaRPr>
+          </a:p>
+        </p:txBody>
+      </p:sp>
+      <p:sp>
+        <p:nvSpPr>
+          <p:cNvPr id="17" name="CaixaDeTexto 16"/>
+          <p:cNvSpPr txBox="1"/>
+          <p:nvPr/>
+        </p:nvSpPr>
+        <p:spPr>
+          <a:xfrm rot="19893838">
+            <a:off x="6080880" y="4126790"/>
+            <a:ext cx="1512168" cy="369332"/>
+          </a:xfrm>
+          <a:prstGeom prst="rect">
+            <a:avLst/>
+          </a:prstGeom>
+          <a:noFill/>
+        </p:spPr>
+        <p:txBody>
+          <a:bodyPr wrap="square" rtlCol="0">
+            <a:spAutoFit/>
+          </a:bodyPr>
+          <a:lstStyle/>
+          <a:p>
+            <a:r>
+              <a:rPr lang="pt-BR" dirty="0" err="1" smtClean="0">
+                <a:solidFill>
+                  <a:schemeClr val="bg2">
+                    <a:lumMod val="10000"/>
+                  </a:schemeClr>
+                </a:solidFill>
+                <a:latin typeface="Arial" pitchFamily="34" charset="0"/>
+                <a:cs typeface="Arial" pitchFamily="34" charset="0"/>
+              </a:rPr>
+              <a:t>Response</a:t>
+            </a:r>
+            <a:endParaRPr lang="pt-BR" dirty="0">
+              <a:solidFill>
+                <a:schemeClr val="bg2">
+                  <a:lumMod val="10000"/>
+                </a:schemeClr>
+              </a:solidFill>
+              <a:latin typeface="Arial" pitchFamily="34" charset="0"/>
+              <a:cs typeface="Arial" pitchFamily="34" charset="0"/>
+            </a:endParaRPr>
+          </a:p>
+        </p:txBody>
+      </p:sp>
+      <p:sp>
+        <p:nvSpPr>
+          <p:cNvPr id="18" name="CaixaDeTexto 17"/>
+          <p:cNvSpPr txBox="1"/>
+          <p:nvPr/>
+        </p:nvSpPr>
+        <p:spPr>
+          <a:xfrm>
+            <a:off x="3851920" y="5301208"/>
+            <a:ext cx="2592288" cy="1015663"/>
+          </a:xfrm>
+          <a:prstGeom prst="rect">
+            <a:avLst/>
+          </a:prstGeom>
+          <a:noFill/>
+        </p:spPr>
+        <p:txBody>
+          <a:bodyPr wrap="square" rtlCol="0">
+            <a:spAutoFit/>
+          </a:bodyPr>
+          <a:lstStyle/>
+          <a:p>
+            <a:r>
+              <a:rPr lang="pt-BR" sz="6000" b="1" dirty="0" smtClean="0">
+                <a:solidFill>
+                  <a:schemeClr val="bg2">
+                    <a:lumMod val="10000"/>
+                  </a:schemeClr>
+                </a:solidFill>
+                <a:latin typeface="Arial" pitchFamily="34" charset="0"/>
+                <a:cs typeface="Arial" pitchFamily="34" charset="0"/>
+              </a:rPr>
+              <a:t>MVC</a:t>
+            </a:r>
+            <a:endParaRPr lang="pt-BR" sz="6000" b="1" dirty="0">
+              <a:solidFill>
+                <a:schemeClr val="bg2">
+                  <a:lumMod val="10000"/>
+                </a:schemeClr>
+              </a:solidFill>
+              <a:latin typeface="Arial" pitchFamily="34" charset="0"/>
+              <a:cs typeface="Arial" pitchFamily="34" charset="0"/>
+            </a:endParaRPr>
+          </a:p>
+        </p:txBody>
+      </p:sp>
+      <p:pic>
+        <p:nvPicPr>
+          <p:cNvPr id="15" name="Imagem 14" descr="Dao.jpg"/>
+          <p:cNvPicPr>
+            <a:picLocks noChangeAspect="1"/>
+          </p:cNvPicPr>
+          <p:nvPr/>
+        </p:nvPicPr>
+        <p:blipFill>
+          <a:blip r:embed="rId6" cstate="print"/>
+          <a:stretch>
+            <a:fillRect/>
+          </a:stretch>
+        </p:blipFill>
+        <p:spPr>
+          <a:xfrm>
+            <a:off x="827584" y="1340768"/>
+            <a:ext cx="1728192" cy="1573197"/>
+          </a:xfrm>
+          <a:prstGeom prst="rect">
+            <a:avLst/>
+          </a:prstGeom>
+        </p:spPr>
+      </p:pic>
+      <p:sp>
+        <p:nvSpPr>
+          <p:cNvPr id="19" name="Seta para a direita 18"/>
           <p:cNvSpPr/>
           <p:nvPr/>
         </p:nvSpPr>
         <p:spPr>
-          <a:xfrm rot="19509800">
-            <a:off x="2565077" y="2970543"/>
-            <a:ext cx="1219227" cy="162964"/>
+          <a:xfrm rot="10800000">
+            <a:off x="2559722" y="2022078"/>
+            <a:ext cx="936104" cy="144016"/>
+          </a:xfrm>
+          <a:prstGeom prst="rightArrow">
+            <a:avLst/>
+          </a:prstGeom>
+          <a:solidFill>
+            <a:srgbClr val="92D050"/>
+          </a:solidFill>
+        </p:spPr>
+        <p:style>
+          <a:lnRef idx="2">
+            <a:schemeClr val="accent1">
+              <a:shade val="50000"/>
+            </a:schemeClr>
+          </a:lnRef>
+          <a:fillRef idx="1">
+            <a:schemeClr val="accent1"/>
+          </a:fillRef>
+          <a:effectRef idx="0">
+            <a:schemeClr val="accent1"/>
+          </a:effectRef>
+          <a:fontRef idx="minor">
+            <a:schemeClr val="lt1"/>
+          </a:fontRef>
+        </p:style>
+        <p:txBody>
+          <a:bodyPr rtlCol="0" anchor="ctr"/>
+          <a:lstStyle/>
+          <a:p>
+            <a:pPr algn="ctr"/>
+            <a:endParaRPr lang="pt-BR"/>
+          </a:p>
+        </p:txBody>
+      </p:sp>
+      <p:sp>
+        <p:nvSpPr>
+          <p:cNvPr id="20" name="Seta para a direita 19"/>
+          <p:cNvSpPr/>
+          <p:nvPr/>
+        </p:nvSpPr>
+        <p:spPr>
+          <a:xfrm>
+            <a:off x="2555776" y="2276872"/>
+            <a:ext cx="1008112" cy="144016"/>
           </a:xfrm>
           <a:prstGeom prst="rightArrow">
             <a:avLst/>
@@ -7204,139 +7460,84 @@
       </p:sp>
       <p:sp>
         <p:nvSpPr>
-          <p:cNvPr id="16" name="CaixaDeTexto 15"/>
-          <p:cNvSpPr txBox="1"/>
+          <p:cNvPr id="21" name="Seta para baixo 20"/>
+          <p:cNvSpPr/>
           <p:nvPr/>
         </p:nvSpPr>
         <p:spPr>
-          <a:xfrm rot="1425736">
-            <a:off x="5740545" y="2392844"/>
-            <a:ext cx="1368152" cy="369332"/>
+          <a:xfrm>
+            <a:off x="1331640" y="2564904"/>
+            <a:ext cx="144016" cy="864096"/>
           </a:xfrm>
-          <a:prstGeom prst="rect">
+          <a:prstGeom prst="downArrow">
             <a:avLst/>
           </a:prstGeom>
-          <a:noFill/>
+          <a:solidFill>
+            <a:srgbClr val="92D050"/>
+          </a:solidFill>
         </p:spPr>
+        <p:style>
+          <a:lnRef idx="2">
+            <a:schemeClr val="accent1">
+              <a:shade val="50000"/>
+            </a:schemeClr>
+          </a:lnRef>
+          <a:fillRef idx="1">
+            <a:schemeClr val="accent1"/>
+          </a:fillRef>
+          <a:effectRef idx="0">
+            <a:schemeClr val="accent1"/>
+          </a:effectRef>
+          <a:fontRef idx="minor">
+            <a:schemeClr val="lt1"/>
+          </a:fontRef>
+        </p:style>
         <p:txBody>
-          <a:bodyPr wrap="square" rtlCol="0">
-            <a:spAutoFit/>
-          </a:bodyPr>
+          <a:bodyPr rtlCol="0" anchor="ctr"/>
           <a:lstStyle/>
           <a:p>
-            <a:r>
-              <a:rPr lang="pt-BR" dirty="0" err="1" smtClean="0">
-                <a:solidFill>
-                  <a:schemeClr val="bg2">
-                    <a:lumMod val="10000"/>
-                  </a:schemeClr>
-                </a:solidFill>
-                <a:latin typeface="Arial" pitchFamily="34" charset="0"/>
-                <a:cs typeface="Arial" pitchFamily="34" charset="0"/>
-              </a:rPr>
-              <a:t>Request</a:t>
-            </a:r>
-            <a:endParaRPr lang="pt-BR" dirty="0">
-              <a:solidFill>
-                <a:schemeClr val="bg2">
-                  <a:lumMod val="10000"/>
-                </a:schemeClr>
-              </a:solidFill>
-              <a:latin typeface="Arial" pitchFamily="34" charset="0"/>
-              <a:cs typeface="Arial" pitchFamily="34" charset="0"/>
-            </a:endParaRPr>
+            <a:pPr algn="ctr"/>
+            <a:endParaRPr lang="pt-BR"/>
           </a:p>
         </p:txBody>
       </p:sp>
       <p:sp>
         <p:nvSpPr>
-          <p:cNvPr id="17" name="CaixaDeTexto 16"/>
-          <p:cNvSpPr txBox="1"/>
+          <p:cNvPr id="23" name="Seta para a direita 22"/>
+          <p:cNvSpPr/>
           <p:nvPr/>
         </p:nvSpPr>
         <p:spPr>
-          <a:xfrm rot="19893838">
-            <a:off x="6080881" y="4270806"/>
-            <a:ext cx="1512168" cy="369332"/>
+          <a:xfrm rot="16200000">
+            <a:off x="1249920" y="2934656"/>
+            <a:ext cx="864096" cy="124592"/>
           </a:xfrm>
-          <a:prstGeom prst="rect">
+          <a:prstGeom prst="rightArrow">
             <a:avLst/>
           </a:prstGeom>
-          <a:noFill/>
         </p:spPr>
+        <p:style>
+          <a:lnRef idx="2">
+            <a:schemeClr val="accent1">
+              <a:shade val="50000"/>
+            </a:schemeClr>
+          </a:lnRef>
+          <a:fillRef idx="1">
+            <a:schemeClr val="accent1"/>
+          </a:fillRef>
+          <a:effectRef idx="0">
+            <a:schemeClr val="accent1"/>
+          </a:effectRef>
+          <a:fontRef idx="minor">
+            <a:schemeClr val="lt1"/>
+          </a:fontRef>
+        </p:style>
         <p:txBody>
-          <a:bodyPr wrap="square" rtlCol="0">
-            <a:spAutoFit/>
-          </a:bodyPr>
+          <a:bodyPr rtlCol="0" anchor="ctr"/>
           <a:lstStyle/>
           <a:p>
-            <a:r>
-              <a:rPr lang="pt-BR" dirty="0" err="1" smtClean="0">
-                <a:solidFill>
-                  <a:schemeClr val="bg2">
-                    <a:lumMod val="10000"/>
-                  </a:schemeClr>
-                </a:solidFill>
-                <a:latin typeface="Arial" pitchFamily="34" charset="0"/>
-                <a:cs typeface="Arial" pitchFamily="34" charset="0"/>
-              </a:rPr>
-              <a:t>Response</a:t>
-            </a:r>
-            <a:endParaRPr lang="pt-BR" dirty="0">
-              <a:solidFill>
-                <a:schemeClr val="bg2">
-                  <a:lumMod val="10000"/>
-                </a:schemeClr>
-              </a:solidFill>
-              <a:latin typeface="Arial" pitchFamily="34" charset="0"/>
-              <a:cs typeface="Arial" pitchFamily="34" charset="0"/>
-            </a:endParaRPr>
-          </a:p>
-        </p:txBody>
-      </p:sp>
-      <p:sp>
-        <p:nvSpPr>
-          <p:cNvPr id="18" name="CaixaDeTexto 17"/>
-          <p:cNvSpPr txBox="1"/>
-          <p:nvPr/>
-        </p:nvSpPr>
-        <p:spPr>
-          <a:xfrm>
-            <a:off x="3851920" y="5301208"/>
-            <a:ext cx="2592288" cy="1015663"/>
-          </a:xfrm>
-          <a:prstGeom prst="rect">
-            <a:avLst/>
-          </a:prstGeom>
-          <a:noFill/>
-        </p:spPr>
-        <p:txBody>
-          <a:bodyPr wrap="square" rtlCol="0">
-            <a:spAutoFit/>
-          </a:bodyPr>
-          <a:lstStyle/>
-          <a:p>
-            <a:r>
-              <a:rPr lang="pt-BR" sz="6000" b="1" dirty="0" smtClean="0">
-                <a:solidFill>
-                  <a:schemeClr val="bg2">
-                    <a:lumMod val="10000"/>
-                  </a:schemeClr>
-                </a:solidFill>
-                <a:latin typeface="Arial" pitchFamily="34" charset="0"/>
-                <a:cs typeface="Arial" pitchFamily="34" charset="0"/>
-              </a:rPr>
-              <a:t>MVC</a:t>
-            </a:r>
-            <a:endParaRPr lang="pt-BR" sz="6000" b="1" dirty="0">
-              <a:solidFill>
-                <a:schemeClr val="bg2">
-                  <a:lumMod val="10000"/>
-                </a:schemeClr>
-              </a:solidFill>
-              <a:latin typeface="Arial" pitchFamily="34" charset="0"/>
-              <a:cs typeface="Arial" pitchFamily="34" charset="0"/>
-            </a:endParaRPr>
+            <a:pPr algn="ctr"/>
+            <a:endParaRPr lang="pt-BR"/>
           </a:p>
         </p:txBody>
       </p:sp>
@@ -7689,6 +7890,87 @@
                                   </p:childTnLst>
                                 </p:cTn>
                               </p:par>
+                              <p:par>
+                                <p:cTn id="25" presetID="53" presetClass="entr" presetSubtype="0" fill="hold" nodeType="withEffect">
+                                  <p:stCondLst>
+                                    <p:cond delay="0"/>
+                                  </p:stCondLst>
+                                  <p:childTnLst>
+                                    <p:set>
+                                      <p:cBhvr>
+                                        <p:cTn id="26" dur="1" fill="hold">
+                                          <p:stCondLst>
+                                            <p:cond delay="0"/>
+                                          </p:stCondLst>
+                                        </p:cTn>
+                                        <p:tgtEl>
+                                          <p:spTgt spid="15"/>
+                                        </p:tgtEl>
+                                        <p:attrNameLst>
+                                          <p:attrName>style.visibility</p:attrName>
+                                        </p:attrNameLst>
+                                      </p:cBhvr>
+                                      <p:to>
+                                        <p:strVal val="visible"/>
+                                      </p:to>
+                                    </p:set>
+                                    <p:anim calcmode="lin" valueType="num">
+                                      <p:cBhvr>
+                                        <p:cTn id="27" dur="500" fill="hold"/>
+                                        <p:tgtEl>
+                                          <p:spTgt spid="15"/>
+                                        </p:tgtEl>
+                                        <p:attrNameLst>
+                                          <p:attrName>ppt_w</p:attrName>
+                                        </p:attrNameLst>
+                                      </p:cBhvr>
+                                      <p:tavLst>
+                                        <p:tav tm="0">
+                                          <p:val>
+                                            <p:fltVal val="0"/>
+                                          </p:val>
+                                        </p:tav>
+                                        <p:tav tm="100000">
+                                          <p:val>
+                                            <p:strVal val="#ppt_w"/>
+                                          </p:val>
+                                        </p:tav>
+                                      </p:tavLst>
+                                    </p:anim>
+                                    <p:anim calcmode="lin" valueType="num">
+                                      <p:cBhvr>
+                                        <p:cTn id="28" dur="500" fill="hold"/>
+                                        <p:tgtEl>
+                                          <p:spTgt spid="15"/>
+                                        </p:tgtEl>
+                                        <p:attrNameLst>
+                                          <p:attrName>ppt_h</p:attrName>
+                                        </p:attrNameLst>
+                                      </p:cBhvr>
+                                      <p:tavLst>
+                                        <p:tav tm="0">
+                                          <p:val>
+                                            <p:fltVal val="0"/>
+                                          </p:val>
+                                        </p:tav>
+                                        <p:tav tm="100000">
+                                          <p:val>
+                                            <p:strVal val="#ppt_h"/>
+                                          </p:val>
+                                        </p:tav>
+                                      </p:tavLst>
+                                    </p:anim>
+                                    <p:animEffect transition="in" filter="fade">
+                                      <p:cBhvr>
+                                        <p:cTn id="29" dur="500"/>
+                                        <p:tgtEl>
+                                          <p:spTgt spid="15"/>
+                                        </p:tgtEl>
+                                      </p:cBhvr>
+                                    </p:animEffect>
+                                  </p:childTnLst>
+                                </p:cTn>
+                              </p:par>
                             </p:childTnLst>
                           </p:cTn>
                         </p:par>
@@ -7696,26 +7978,26 @@
                     </p:cTn>
                   </p:par>
                   <p:par>
-                    <p:cTn id="25" fill="hold">
+                    <p:cTn id="30" fill="hold">
                       <p:stCondLst>
                         <p:cond delay="indefinite"/>
                       </p:stCondLst>
                       <p:childTnLst>
                         <p:par>
-                          <p:cTn id="26" fill="hold">
+                          <p:cTn id="31" fill="hold">
                             <p:stCondLst>
                               <p:cond delay="0"/>
                             </p:stCondLst>
                             <p:childTnLst>
                               <p:par>
-                                <p:cTn id="27" presetID="55" presetClass="entr" presetSubtype="0" fill="hold" grpId="0" nodeType="clickEffect">
+                                <p:cTn id="32" presetID="55" presetClass="entr" presetSubtype="0" fill="hold" grpId="0" nodeType="clickEffect">
                                   <p:stCondLst>
                                     <p:cond delay="0"/>
                                   </p:stCondLst>
                                   <p:childTnLst>
                                     <p:set>
                                       <p:cBhvr>
-                                        <p:cTn id="28" dur="1" fill="hold">
+                                        <p:cTn id="33" dur="1" fill="hold">
                                           <p:stCondLst>
                                             <p:cond delay="0"/>
                                           </p:stCondLst>
@@ -7733,7 +8015,7 @@
                                     </p:set>
                                     <p:anim calcmode="lin" valueType="num">
                                       <p:cBhvr>
-                                        <p:cTn id="29" dur="1000" fill="hold"/>
+                                        <p:cTn id="34" dur="1000" fill="hold"/>
                                         <p:tgtEl>
                                           <p:spTgt spid="11"/>
                                         </p:tgtEl>
@@ -7756,7 +8038,7 @@
                                     </p:anim>
                                     <p:anim calcmode="lin" valueType="num">
                                       <p:cBhvr>
-                                        <p:cTn id="30" dur="1000" fill="hold"/>
+                                        <p:cTn id="35" dur="1000" fill="hold"/>
                                         <p:tgtEl>
                                           <p:spTgt spid="11"/>
                                         </p:tgtEl>
@@ -7779,90 +8061,9 @@
                                     </p:anim>
                                     <p:animEffect transition="in" filter="fade">
                                       <p:cBhvr>
-                                        <p:cTn id="31" dur="1000"/>
+                                        <p:cTn id="36" dur="1000"/>
                                         <p:tgtEl>
                                           <p:spTgt spid="11"/>
-                                        </p:tgtEl>
-                                      </p:cBhvr>
-                                    </p:animEffect>
-                                  </p:childTnLst>
-                                </p:cTn>
-                              </p:par>
-                              <p:par>
-                                <p:cTn id="32" presetID="55" presetClass="entr" presetSubtype="0" fill="hold" grpId="0" nodeType="withEffect">
-                                  <p:stCondLst>
-                                    <p:cond delay="0"/>
-                                  </p:stCondLst>
-                                  <p:childTnLst>
-                                    <p:set>
-                                      <p:cBhvr>
-                                        <p:cTn id="33" dur="1" fill="hold">
-                                          <p:stCondLst>
-                                            <p:cond delay="0"/>
-                                          </p:stCondLst>
-                                        </p:cTn>
-                                        <p:tgtEl>
-                                          <p:spTgt spid="16"/>
-                                        </p:tgtEl>
-                                        <p:attrNameLst>
-                                          <p:attrName>style.visibility</p:attrName>
-                                        </p:attrNameLst>
-                                      </p:cBhvr>
-                                      <p:to>
-                                        <p:strVal val="visible"/>
-                                      </p:to>
-                                    </p:set>
-                                    <p:anim calcmode="lin" valueType="num">
-                                      <p:cBhvr>
-                                        <p:cTn id="34" dur="1000" fill="hold"/>
-                                        <p:tgtEl>
-                                          <p:spTgt spid="16"/>
-                                        </p:tgtEl>
-                                        <p:attrNameLst>
-                                          <p:attrName>ppt_w</p:attrName>
-                                        </p:attrNameLst>
-                                      </p:cBhvr>
-                                      <p:tavLst>
-                                        <p:tav tm="0">
-                                          <p:val>
-                                            <p:strVal val="#ppt_w*0.70"/>
-                                          </p:val>
-                                        </p:tav>
-                                        <p:tav tm="100000">
-                                          <p:val>
-                                            <p:strVal val="#ppt_w"/>
-                                          </p:val>
-                                        </p:tav>
-                                      </p:tavLst>
-                                    </p:anim>
-                                    <p:anim calcmode="lin" valueType="num">
-                                      <p:cBhvr>
-                                        <p:cTn id="35" dur="1000" fill="hold"/>
-                                        <p:tgtEl>
-                                          <p:spTgt spid="16"/>
-                                        </p:tgtEl>
-                                        <p:attrNameLst>
-                                          <p:attrName>ppt_h</p:attrName>
-                                        </p:attrNameLst>
-                                      </p:cBhvr>
-                                      <p:tavLst>
-                                        <p:tav tm="0">
-                                          <p:val>
-                                            <p:strVal val="#ppt_h"/>
-                                          </p:val>
-                                        </p:tav>
-                                        <p:tav tm="100000">
-                                          <p:val>
-                                            <p:strVal val="#ppt_h"/>
-                                          </p:val>
-                                        </p:tav>
-                                      </p:tavLst>
-                                    </p:anim>
-                                    <p:animEffect transition="in" filter="fade">
-                                      <p:cBhvr>
-                                        <p:cTn id="36" dur="1000"/>
-                                        <p:tgtEl>
-                                          <p:spTgt spid="16"/>
                                         </p:tgtEl>
                                       </p:cBhvr>
                                     </p:animEffect>
@@ -7883,7 +8084,7 @@
                                           </p:stCondLst>
                                         </p:cTn>
                                         <p:tgtEl>
-                                          <p:spTgt spid="13"/>
+                                          <p:spTgt spid="16"/>
                                         </p:tgtEl>
                                         <p:attrNameLst>
                                           <p:attrName>style.visibility</p:attrName>
@@ -7897,7 +8098,7 @@
                                       <p:cBhvr>
                                         <p:cTn id="39" dur="1000" fill="hold"/>
                                         <p:tgtEl>
-                                          <p:spTgt spid="13"/>
+                                          <p:spTgt spid="16"/>
                                         </p:tgtEl>
                                         <p:attrNameLst>
                                           <p:attrName>ppt_w</p:attrName>
@@ -7920,7 +8121,7 @@
                                       <p:cBhvr>
                                         <p:cTn id="40" dur="1000" fill="hold"/>
                                         <p:tgtEl>
-                                          <p:spTgt spid="13"/>
+                                          <p:spTgt spid="16"/>
                                         </p:tgtEl>
                                         <p:attrNameLst>
                                           <p:attrName>ppt_h</p:attrName>
@@ -7943,7 +8144,7 @@
                                       <p:cBhvr>
                                         <p:cTn id="41" dur="1000"/>
                                         <p:tgtEl>
-                                          <p:spTgt spid="13"/>
+                                          <p:spTgt spid="16"/>
                                         </p:tgtEl>
                                       </p:cBhvr>
                                     </p:animEffect>
@@ -7964,7 +8165,7 @@
                                           </p:stCondLst>
                                         </p:cTn>
                                         <p:tgtEl>
-                                          <p:spTgt spid="14"/>
+                                          <p:spTgt spid="13"/>
                                         </p:tgtEl>
                                         <p:attrNameLst>
                                           <p:attrName>style.visibility</p:attrName>
@@ -7978,7 +8179,7 @@
                                       <p:cBhvr>
                                         <p:cTn id="44" dur="1000" fill="hold"/>
                                         <p:tgtEl>
-                                          <p:spTgt spid="14"/>
+                                          <p:spTgt spid="13"/>
                                         </p:tgtEl>
                                         <p:attrNameLst>
                                           <p:attrName>ppt_w</p:attrName>
@@ -8001,7 +8202,7 @@
                                       <p:cBhvr>
                                         <p:cTn id="45" dur="1000" fill="hold"/>
                                         <p:tgtEl>
-                                          <p:spTgt spid="14"/>
+                                          <p:spTgt spid="13"/>
                                         </p:tgtEl>
                                         <p:attrNameLst>
                                           <p:attrName>ppt_h</p:attrName>
@@ -8024,7 +8225,7 @@
                                       <p:cBhvr>
                                         <p:cTn id="46" dur="1000"/>
                                         <p:tgtEl>
-                                          <p:spTgt spid="14"/>
+                                          <p:spTgt spid="13"/>
                                         </p:tgtEl>
                                       </p:cBhvr>
                                     </p:animEffect>
@@ -8045,7 +8246,7 @@
                                           </p:stCondLst>
                                         </p:cTn>
                                         <p:tgtEl>
-                                          <p:spTgt spid="12"/>
+                                          <p:spTgt spid="14"/>
                                         </p:tgtEl>
                                         <p:attrNameLst>
                                           <p:attrName>style.visibility</p:attrName>
@@ -8059,7 +8260,7 @@
                                       <p:cBhvr>
                                         <p:cTn id="49" dur="1000" fill="hold"/>
                                         <p:tgtEl>
-                                          <p:spTgt spid="12"/>
+                                          <p:spTgt spid="14"/>
                                         </p:tgtEl>
                                         <p:attrNameLst>
                                           <p:attrName>ppt_w</p:attrName>
@@ -8082,7 +8283,7 @@
                                       <p:cBhvr>
                                         <p:cTn id="50" dur="1000" fill="hold"/>
                                         <p:tgtEl>
-                                          <p:spTgt spid="12"/>
+                                          <p:spTgt spid="14"/>
                                         </p:tgtEl>
                                         <p:attrNameLst>
                                           <p:attrName>ppt_h</p:attrName>
@@ -8105,7 +8306,7 @@
                                       <p:cBhvr>
                                         <p:cTn id="51" dur="1000"/>
                                         <p:tgtEl>
-                                          <p:spTgt spid="12"/>
+                                          <p:spTgt spid="14"/>
                                         </p:tgtEl>
                                       </p:cBhvr>
                                     </p:animEffect>
@@ -8126,7 +8327,7 @@
                                           </p:stCondLst>
                                         </p:cTn>
                                         <p:tgtEl>
-                                          <p:spTgt spid="10"/>
+                                          <p:spTgt spid="12"/>
                                         </p:tgtEl>
                                         <p:attrNameLst>
                                           <p:attrName>style.visibility</p:attrName>
@@ -8140,7 +8341,7 @@
                                       <p:cBhvr>
                                         <p:cTn id="54" dur="1000" fill="hold"/>
                                         <p:tgtEl>
-                                          <p:spTgt spid="10"/>
+                                          <p:spTgt spid="12"/>
                                         </p:tgtEl>
                                         <p:attrNameLst>
                                           <p:attrName>ppt_w</p:attrName>
@@ -8163,7 +8364,7 @@
                                       <p:cBhvr>
                                         <p:cTn id="55" dur="1000" fill="hold"/>
                                         <p:tgtEl>
-                                          <p:spTgt spid="10"/>
+                                          <p:spTgt spid="12"/>
                                         </p:tgtEl>
                                         <p:attrNameLst>
                                           <p:attrName>ppt_h</p:attrName>
@@ -8186,7 +8387,7 @@
                                       <p:cBhvr>
                                         <p:cTn id="56" dur="1000"/>
                                         <p:tgtEl>
-                                          <p:spTgt spid="10"/>
+                                          <p:spTgt spid="12"/>
                                         </p:tgtEl>
                                       </p:cBhvr>
                                     </p:animEffect>
@@ -8207,7 +8408,7 @@
                                           </p:stCondLst>
                                         </p:cTn>
                                         <p:tgtEl>
-                                          <p:spTgt spid="17"/>
+                                          <p:spTgt spid="10"/>
                                         </p:tgtEl>
                                         <p:attrNameLst>
                                           <p:attrName>style.visibility</p:attrName>
@@ -8221,7 +8422,7 @@
                                       <p:cBhvr>
                                         <p:cTn id="59" dur="1000" fill="hold"/>
                                         <p:tgtEl>
-                                          <p:spTgt spid="17"/>
+                                          <p:spTgt spid="10"/>
                                         </p:tgtEl>
                                         <p:attrNameLst>
                                           <p:attrName>ppt_w</p:attrName>
@@ -8244,7 +8445,7 @@
                                       <p:cBhvr>
                                         <p:cTn id="60" dur="1000" fill="hold"/>
                                         <p:tgtEl>
-                                          <p:spTgt spid="17"/>
+                                          <p:spTgt spid="10"/>
                                         </p:tgtEl>
                                         <p:attrNameLst>
                                           <p:attrName>ppt_h</p:attrName>
@@ -8267,7 +8468,7 @@
                                       <p:cBhvr>
                                         <p:cTn id="61" dur="1000"/>
                                         <p:tgtEl>
-                                          <p:spTgt spid="17"/>
+                                          <p:spTgt spid="10"/>
                                         </p:tgtEl>
                                       </p:cBhvr>
                                     </p:animEffect>
@@ -8275,7 +8476,7 @@
                                 </p:cTn>
                               </p:par>
                               <p:par>
-                                <p:cTn id="62" presetID="53" presetClass="entr" presetSubtype="0" fill="hold" nodeType="withEffect">
+                                <p:cTn id="62" presetID="55" presetClass="entr" presetSubtype="0" fill="hold" grpId="0" nodeType="withEffect">
                                   <p:stCondLst>
                                     <p:cond delay="0"/>
                                   </p:stCondLst>
@@ -8288,6 +8489,411 @@
                                           </p:stCondLst>
                                         </p:cTn>
                                         <p:tgtEl>
+                                          <p:spTgt spid="17"/>
+                                        </p:tgtEl>
+                                        <p:attrNameLst>
+                                          <p:attrName>style.visibility</p:attrName>
+                                        </p:attrNameLst>
+                                      </p:cBhvr>
+                                      <p:to>
+                                        <p:strVal val="visible"/>
+                                      </p:to>
+                                    </p:set>
+                                    <p:anim calcmode="lin" valueType="num">
+                                      <p:cBhvr>
+                                        <p:cTn id="64" dur="1000" fill="hold"/>
+                                        <p:tgtEl>
+                                          <p:spTgt spid="17"/>
+                                        </p:tgtEl>
+                                        <p:attrNameLst>
+                                          <p:attrName>ppt_w</p:attrName>
+                                        </p:attrNameLst>
+                                      </p:cBhvr>
+                                      <p:tavLst>
+                                        <p:tav tm="0">
+                                          <p:val>
+                                            <p:strVal val="#ppt_w*0.70"/>
+                                          </p:val>
+                                        </p:tav>
+                                        <p:tav tm="100000">
+                                          <p:val>
+                                            <p:strVal val="#ppt_w"/>
+                                          </p:val>
+                                        </p:tav>
+                                      </p:tavLst>
+                                    </p:anim>
+                                    <p:anim calcmode="lin" valueType="num">
+                                      <p:cBhvr>
+                                        <p:cTn id="65" dur="1000" fill="hold"/>
+                                        <p:tgtEl>
+                                          <p:spTgt spid="17"/>
+                                        </p:tgtEl>
+                                        <p:attrNameLst>
+                                          <p:attrName>ppt_h</p:attrName>
+                                        </p:attrNameLst>
+                                      </p:cBhvr>
+                                      <p:tavLst>
+                                        <p:tav tm="0">
+                                          <p:val>
+                                            <p:strVal val="#ppt_h"/>
+                                          </p:val>
+                                        </p:tav>
+                                        <p:tav tm="100000">
+                                          <p:val>
+                                            <p:strVal val="#ppt_h"/>
+                                          </p:val>
+                                        </p:tav>
+                                      </p:tavLst>
+                                    </p:anim>
+                                    <p:animEffect transition="in" filter="fade">
+                                      <p:cBhvr>
+                                        <p:cTn id="66" dur="1000"/>
+                                        <p:tgtEl>
+                                          <p:spTgt spid="17"/>
+                                        </p:tgtEl>
+                                      </p:cBhvr>
+                                    </p:animEffect>
+                                  </p:childTnLst>
+                                </p:cTn>
+                              </p:par>
+                              <p:par>
+                                <p:cTn id="67" presetID="55" presetClass="entr" presetSubtype="0" fill="hold" grpId="0" nodeType="withEffect">
+                                  <p:stCondLst>
+                                    <p:cond delay="0"/>
+                                  </p:stCondLst>
+                                  <p:childTnLst>
+                                    <p:set>
+                                      <p:cBhvr>
+                                        <p:cTn id="68" dur="1" fill="hold">
+                                          <p:stCondLst>
+                                            <p:cond delay="0"/>
+                                          </p:stCondLst>
+                                        </p:cTn>
+                                        <p:tgtEl>
+                                          <p:spTgt spid="19"/>
+                                        </p:tgtEl>
+                                        <p:attrNameLst>
+                                          <p:attrName>style.visibility</p:attrName>
+                                        </p:attrNameLst>
+                                      </p:cBhvr>
+                                      <p:to>
+                                        <p:strVal val="visible"/>
+                                      </p:to>
+                                    </p:set>
+                                    <p:anim calcmode="lin" valueType="num">
+                                      <p:cBhvr>
+                                        <p:cTn id="69" dur="1000" fill="hold"/>
+                                        <p:tgtEl>
+                                          <p:spTgt spid="19"/>
+                                        </p:tgtEl>
+                                        <p:attrNameLst>
+                                          <p:attrName>ppt_w</p:attrName>
+                                        </p:attrNameLst>
+                                      </p:cBhvr>
+                                      <p:tavLst>
+                                        <p:tav tm="0">
+                                          <p:val>
+                                            <p:strVal val="#ppt_w*0.70"/>
+                                          </p:val>
+                                        </p:tav>
+                                        <p:tav tm="100000">
+                                          <p:val>
+                                            <p:strVal val="#ppt_w"/>
+                                          </p:val>
+                                        </p:tav>
+                                      </p:tavLst>
+                                    </p:anim>
+                                    <p:anim calcmode="lin" valueType="num">
+                                      <p:cBhvr>
+                                        <p:cTn id="70" dur="1000" fill="hold"/>
+                                        <p:tgtEl>
+                                          <p:spTgt spid="19"/>
+                                        </p:tgtEl>
+                                        <p:attrNameLst>
+                                          <p:attrName>ppt_h</p:attrName>
+                                        </p:attrNameLst>
+                                      </p:cBhvr>
+                                      <p:tavLst>
+                                        <p:tav tm="0">
+                                          <p:val>
+                                            <p:strVal val="#ppt_h"/>
+                                          </p:val>
+                                        </p:tav>
+                                        <p:tav tm="100000">
+                                          <p:val>
+                                            <p:strVal val="#ppt_h"/>
+                                          </p:val>
+                                        </p:tav>
+                                      </p:tavLst>
+                                    </p:anim>
+                                    <p:animEffect transition="in" filter="fade">
+                                      <p:cBhvr>
+                                        <p:cTn id="71" dur="1000"/>
+                                        <p:tgtEl>
+                                          <p:spTgt spid="19"/>
+                                        </p:tgtEl>
+                                      </p:cBhvr>
+                                    </p:animEffect>
+                                  </p:childTnLst>
+                                </p:cTn>
+                              </p:par>
+                              <p:par>
+                                <p:cTn id="72" presetID="55" presetClass="entr" presetSubtype="0" fill="hold" grpId="0" nodeType="withEffect">
+                                  <p:stCondLst>
+                                    <p:cond delay="0"/>
+                                  </p:stCondLst>
+                                  <p:childTnLst>
+                                    <p:set>
+                                      <p:cBhvr>
+                                        <p:cTn id="73" dur="1" fill="hold">
+                                          <p:stCondLst>
+                                            <p:cond delay="0"/>
+                                          </p:stCondLst>
+                                        </p:cTn>
+                                        <p:tgtEl>
+                                          <p:spTgt spid="21"/>
+                                        </p:tgtEl>
+                                        <p:attrNameLst>
+                                          <p:attrName>style.visibility</p:attrName>
+                                        </p:attrNameLst>
+                                      </p:cBhvr>
+                                      <p:to>
+                                        <p:strVal val="visible"/>
+                                      </p:to>
+                                    </p:set>
+                                    <p:anim calcmode="lin" valueType="num">
+                                      <p:cBhvr>
+                                        <p:cTn id="74" dur="1000" fill="hold"/>
+                                        <p:tgtEl>
+                                          <p:spTgt spid="21"/>
+                                        </p:tgtEl>
+                                        <p:attrNameLst>
+                                          <p:attrName>ppt_w</p:attrName>
+                                        </p:attrNameLst>
+                                      </p:cBhvr>
+                                      <p:tavLst>
+                                        <p:tav tm="0">
+                                          <p:val>
+                                            <p:strVal val="#ppt_w*0.70"/>
+                                          </p:val>
+                                        </p:tav>
+                                        <p:tav tm="100000">
+                                          <p:val>
+                                            <p:strVal val="#ppt_w"/>
+                                          </p:val>
+                                        </p:tav>
+                                      </p:tavLst>
+                                    </p:anim>
+                                    <p:anim calcmode="lin" valueType="num">
+                                      <p:cBhvr>
+                                        <p:cTn id="75" dur="1000" fill="hold"/>
+                                        <p:tgtEl>
+                                          <p:spTgt spid="21"/>
+                                        </p:tgtEl>
+                                        <p:attrNameLst>
+                                          <p:attrName>ppt_h</p:attrName>
+                                        </p:attrNameLst>
+                                      </p:cBhvr>
+                                      <p:tavLst>
+                                        <p:tav tm="0">
+                                          <p:val>
+                                            <p:strVal val="#ppt_h"/>
+                                          </p:val>
+                                        </p:tav>
+                                        <p:tav tm="100000">
+                                          <p:val>
+                                            <p:strVal val="#ppt_h"/>
+                                          </p:val>
+                                        </p:tav>
+                                      </p:tavLst>
+                                    </p:anim>
+                                    <p:animEffect transition="in" filter="fade">
+                                      <p:cBhvr>
+                                        <p:cTn id="76" dur="1000"/>
+                                        <p:tgtEl>
+                                          <p:spTgt spid="21"/>
+                                        </p:tgtEl>
+                                      </p:cBhvr>
+                                    </p:animEffect>
+                                  </p:childTnLst>
+                                </p:cTn>
+                              </p:par>
+                              <p:par>
+                                <p:cTn id="77" presetID="55" presetClass="entr" presetSubtype="0" fill="hold" grpId="0" nodeType="withEffect">
+                                  <p:stCondLst>
+                                    <p:cond delay="0"/>
+                                  </p:stCondLst>
+                                  <p:childTnLst>
+                                    <p:set>
+                                      <p:cBhvr>
+                                        <p:cTn id="78" dur="1" fill="hold">
+                                          <p:stCondLst>
+                                            <p:cond delay="0"/>
+                                          </p:stCondLst>
+                                        </p:cTn>
+                                        <p:tgtEl>
+                                          <p:spTgt spid="20"/>
+                                        </p:tgtEl>
+                                        <p:attrNameLst>
+                                          <p:attrName>style.visibility</p:attrName>
+                                        </p:attrNameLst>
+                                      </p:cBhvr>
+                                      <p:to>
+                                        <p:strVal val="visible"/>
+                                      </p:to>
+                                    </p:set>
+                                    <p:anim calcmode="lin" valueType="num">
+                                      <p:cBhvr>
+                                        <p:cTn id="79" dur="1000" fill="hold"/>
+                                        <p:tgtEl>
+                                          <p:spTgt spid="20"/>
+                                        </p:tgtEl>
+                                        <p:attrNameLst>
+                                          <p:attrName>ppt_w</p:attrName>
+                                        </p:attrNameLst>
+                                      </p:cBhvr>
+                                      <p:tavLst>
+                                        <p:tav tm="0">
+                                          <p:val>
+                                            <p:strVal val="#ppt_w*0.70"/>
+                                          </p:val>
+                                        </p:tav>
+                                        <p:tav tm="100000">
+                                          <p:val>
+                                            <p:strVal val="#ppt_w"/>
+                                          </p:val>
+                                        </p:tav>
+                                      </p:tavLst>
+                                    </p:anim>
+                                    <p:anim calcmode="lin" valueType="num">
+                                      <p:cBhvr>
+                                        <p:cTn id="80" dur="1000" fill="hold"/>
+                                        <p:tgtEl>
+                                          <p:spTgt spid="20"/>
+                                        </p:tgtEl>
+                                        <p:attrNameLst>
+                                          <p:attrName>ppt_h</p:attrName>
+                                        </p:attrNameLst>
+                                      </p:cBhvr>
+                                      <p:tavLst>
+                                        <p:tav tm="0">
+                                          <p:val>
+                                            <p:strVal val="#ppt_h"/>
+                                          </p:val>
+                                        </p:tav>
+                                        <p:tav tm="100000">
+                                          <p:val>
+                                            <p:strVal val="#ppt_h"/>
+                                          </p:val>
+                                        </p:tav>
+                                      </p:tavLst>
+                                    </p:anim>
+                                    <p:animEffect transition="in" filter="fade">
+                                      <p:cBhvr>
+                                        <p:cTn id="81" dur="1000"/>
+                                        <p:tgtEl>
+                                          <p:spTgt spid="20"/>
+                                        </p:tgtEl>
+                                      </p:cBhvr>
+                                    </p:animEffect>
+                                  </p:childTnLst>
+                                </p:cTn>
+                              </p:par>
+                              <p:par>
+                                <p:cTn id="82" presetID="55" presetClass="entr" presetSubtype="0" fill="hold" grpId="0" nodeType="withEffect">
+                                  <p:stCondLst>
+                                    <p:cond delay="0"/>
+                                  </p:stCondLst>
+                                  <p:childTnLst>
+                                    <p:set>
+                                      <p:cBhvr>
+                                        <p:cTn id="83" dur="1" fill="hold">
+                                          <p:stCondLst>
+                                            <p:cond delay="0"/>
+                                          </p:stCondLst>
+                                        </p:cTn>
+                                        <p:tgtEl>
+                                          <p:spTgt spid="23"/>
+                                        </p:tgtEl>
+                                        <p:attrNameLst>
+                                          <p:attrName>style.visibility</p:attrName>
+                                        </p:attrNameLst>
+                                      </p:cBhvr>
+                                      <p:to>
+                                        <p:strVal val="visible"/>
+                                      </p:to>
+                                    </p:set>
+                                    <p:anim calcmode="lin" valueType="num">
+                                      <p:cBhvr>
+                                        <p:cTn id="84" dur="1000" fill="hold"/>
+                                        <p:tgtEl>
+                                          <p:spTgt spid="23"/>
+                                        </p:tgtEl>
+                                        <p:attrNameLst>
+                                          <p:attrName>ppt_w</p:attrName>
+                                        </p:attrNameLst>
+                                      </p:cBhvr>
+                                      <p:tavLst>
+                                        <p:tav tm="0">
+                                          <p:val>
+                                            <p:strVal val="#ppt_w*0.70"/>
+                                          </p:val>
+                                        </p:tav>
+                                        <p:tav tm="100000">
+                                          <p:val>
+                                            <p:strVal val="#ppt_w"/>
+                                          </p:val>
+                                        </p:tav>
+                                      </p:tavLst>
+                                    </p:anim>
+                                    <p:anim calcmode="lin" valueType="num">
+                                      <p:cBhvr>
+                                        <p:cTn id="85" dur="1000" fill="hold"/>
+                                        <p:tgtEl>
+                                          <p:spTgt spid="23"/>
+                                        </p:tgtEl>
+                                        <p:attrNameLst>
+                                          <p:attrName>ppt_h</p:attrName>
+                                        </p:attrNameLst>
+                                      </p:cBhvr>
+                                      <p:tavLst>
+                                        <p:tav tm="0">
+                                          <p:val>
+                                            <p:strVal val="#ppt_h"/>
+                                          </p:val>
+                                        </p:tav>
+                                        <p:tav tm="100000">
+                                          <p:val>
+                                            <p:strVal val="#ppt_h"/>
+                                          </p:val>
+                                        </p:tav>
+                                      </p:tavLst>
+                                    </p:anim>
+                                    <p:animEffect transition="in" filter="fade">
+                                      <p:cBhvr>
+                                        <p:cTn id="86" dur="1000"/>
+                                        <p:tgtEl>
+                                          <p:spTgt spid="23"/>
+                                        </p:tgtEl>
+                                      </p:cBhvr>
+                                    </p:animEffect>
+                                  </p:childTnLst>
+                                </p:cTn>
+                              </p:par>
+                              <p:par>
+                                <p:cTn id="87" presetID="53" presetClass="entr" presetSubtype="0" fill="hold" nodeType="withEffect">
+                                  <p:stCondLst>
+                                    <p:cond delay="0"/>
+                                  </p:stCondLst>
+                                  <p:childTnLst>
+                                    <p:set>
+                                      <p:cBhvr>
+                                        <p:cTn id="88" dur="1" fill="hold">
+                                          <p:stCondLst>
+                                            <p:cond delay="0"/>
+                                          </p:stCondLst>
+                                        </p:cTn>
+                                        <p:tgtEl>
                                           <p:spTgt spid="18">
                                             <p:txEl>
                                               <p:pRg st="0" end="0"/>
@@ -8304,7 +8910,7 @@
                                     </p:set>
                                     <p:anim calcmode="lin" valueType="num">
                                       <p:cBhvr>
-                                        <p:cTn id="64" dur="500" fill="hold"/>
+                                        <p:cTn id="89" dur="500" fill="hold"/>
                                         <p:tgtEl>
                                           <p:spTgt spid="18">
                                             <p:txEl>
@@ -8331,7 +8937,7 @@
                                     </p:anim>
                                     <p:anim calcmode="lin" valueType="num">
                                       <p:cBhvr>
-                                        <p:cTn id="65" dur="500" fill="hold"/>
+                                        <p:cTn id="90" dur="500" fill="hold"/>
                                         <p:tgtEl>
                                           <p:spTgt spid="18">
                                             <p:txEl>
@@ -8358,7 +8964,7 @@
                                     </p:anim>
                                     <p:animEffect transition="in" filter="fade">
                                       <p:cBhvr>
-                                        <p:cTn id="66" dur="500"/>
+                                        <p:cTn id="91" dur="500"/>
                                         <p:tgtEl>
                                           <p:spTgt spid="18">
                                             <p:txEl>
@@ -8406,6 +9012,10 @@
       <p:bldP spid="14" grpId="0" animBg="1"/>
       <p:bldP spid="16" grpId="0"/>
       <p:bldP spid="17" grpId="0"/>
+      <p:bldP spid="19" grpId="0" animBg="1"/>
+      <p:bldP spid="20" grpId="0" animBg="1"/>
+      <p:bldP spid="21" grpId="0" animBg="1"/>
+      <p:bldP spid="23" grpId="0" animBg="1"/>
     </p:bldLst>
   </p:timing>
 </p:sld>
